--- a/figures_multi_panel/Fig2.pptx
+++ b/figures_multi_panel/Fig2.pptx
@@ -104,6 +104,11 @@
       </a:defRPr>
     </a:lvl9pPr>
   </p:defaultTextStyle>
+  <p:extLst>
+    <p:ext uri="{EFAFB233-063F-42B5-8137-9DF3F51BA10A}">
+      <p15:sldGuideLst xmlns:p15="http://schemas.microsoft.com/office/powerpoint/2012/main"/>
+    </p:ext>
+  </p:extLst>
 </p:presentation>
 </file>
 
@@ -238,7 +243,7 @@
           <a:p>
             <a:fld id="{6CC00600-55A3-224A-BE55-83853FB2FC5E}" type="datetimeFigureOut">
               <a:rPr lang="en-US" smtClean="0"/>
-              <a:t>11/21/19</a:t>
+              <a:t>2/5/20</a:t>
             </a:fld>
             <a:endParaRPr lang="en-US"/>
           </a:p>
@@ -408,7 +413,7 @@
           <a:p>
             <a:fld id="{6CC00600-55A3-224A-BE55-83853FB2FC5E}" type="datetimeFigureOut">
               <a:rPr lang="en-US" smtClean="0"/>
-              <a:t>11/21/19</a:t>
+              <a:t>2/5/20</a:t>
             </a:fld>
             <a:endParaRPr lang="en-US"/>
           </a:p>
@@ -588,7 +593,7 @@
           <a:p>
             <a:fld id="{6CC00600-55A3-224A-BE55-83853FB2FC5E}" type="datetimeFigureOut">
               <a:rPr lang="en-US" smtClean="0"/>
-              <a:t>11/21/19</a:t>
+              <a:t>2/5/20</a:t>
             </a:fld>
             <a:endParaRPr lang="en-US"/>
           </a:p>
@@ -758,7 +763,7 @@
           <a:p>
             <a:fld id="{6CC00600-55A3-224A-BE55-83853FB2FC5E}" type="datetimeFigureOut">
               <a:rPr lang="en-US" smtClean="0"/>
-              <a:t>11/21/19</a:t>
+              <a:t>2/5/20</a:t>
             </a:fld>
             <a:endParaRPr lang="en-US"/>
           </a:p>
@@ -1002,7 +1007,7 @@
           <a:p>
             <a:fld id="{6CC00600-55A3-224A-BE55-83853FB2FC5E}" type="datetimeFigureOut">
               <a:rPr lang="en-US" smtClean="0"/>
-              <a:t>11/21/19</a:t>
+              <a:t>2/5/20</a:t>
             </a:fld>
             <a:endParaRPr lang="en-US"/>
           </a:p>
@@ -1234,7 +1239,7 @@
           <a:p>
             <a:fld id="{6CC00600-55A3-224A-BE55-83853FB2FC5E}" type="datetimeFigureOut">
               <a:rPr lang="en-US" smtClean="0"/>
-              <a:t>11/21/19</a:t>
+              <a:t>2/5/20</a:t>
             </a:fld>
             <a:endParaRPr lang="en-US"/>
           </a:p>
@@ -1601,7 +1606,7 @@
           <a:p>
             <a:fld id="{6CC00600-55A3-224A-BE55-83853FB2FC5E}" type="datetimeFigureOut">
               <a:rPr lang="en-US" smtClean="0"/>
-              <a:t>11/21/19</a:t>
+              <a:t>2/5/20</a:t>
             </a:fld>
             <a:endParaRPr lang="en-US"/>
           </a:p>
@@ -1719,7 +1724,7 @@
           <a:p>
             <a:fld id="{6CC00600-55A3-224A-BE55-83853FB2FC5E}" type="datetimeFigureOut">
               <a:rPr lang="en-US" smtClean="0"/>
-              <a:t>11/21/19</a:t>
+              <a:t>2/5/20</a:t>
             </a:fld>
             <a:endParaRPr lang="en-US"/>
           </a:p>
@@ -1814,7 +1819,7 @@
           <a:p>
             <a:fld id="{6CC00600-55A3-224A-BE55-83853FB2FC5E}" type="datetimeFigureOut">
               <a:rPr lang="en-US" smtClean="0"/>
-              <a:t>11/21/19</a:t>
+              <a:t>2/5/20</a:t>
             </a:fld>
             <a:endParaRPr lang="en-US"/>
           </a:p>
@@ -2091,7 +2096,7 @@
           <a:p>
             <a:fld id="{6CC00600-55A3-224A-BE55-83853FB2FC5E}" type="datetimeFigureOut">
               <a:rPr lang="en-US" smtClean="0"/>
-              <a:t>11/21/19</a:t>
+              <a:t>2/5/20</a:t>
             </a:fld>
             <a:endParaRPr lang="en-US"/>
           </a:p>
@@ -2348,7 +2353,7 @@
           <a:p>
             <a:fld id="{6CC00600-55A3-224A-BE55-83853FB2FC5E}" type="datetimeFigureOut">
               <a:rPr lang="en-US" smtClean="0"/>
-              <a:t>11/21/19</a:t>
+              <a:t>2/5/20</a:t>
             </a:fld>
             <a:endParaRPr lang="en-US"/>
           </a:p>
@@ -2561,7 +2566,7 @@
           <a:p>
             <a:fld id="{6CC00600-55A3-224A-BE55-83853FB2FC5E}" type="datetimeFigureOut">
               <a:rPr lang="en-US" smtClean="0"/>
-              <a:t>11/21/19</a:t>
+              <a:t>2/5/20</a:t>
             </a:fld>
             <a:endParaRPr lang="en-US"/>
           </a:p>
@@ -3078,7 +3083,7 @@
         </p:blipFill>
         <p:spPr>
           <a:xfrm>
-            <a:off x="1340184" y="6737015"/>
+            <a:off x="1280215" y="6849901"/>
             <a:ext cx="7137400" cy="4140200"/>
           </a:xfrm>
           <a:prstGeom prst="rect">
@@ -3138,7 +3143,7 @@
         </p:blipFill>
         <p:spPr>
           <a:xfrm>
-            <a:off x="16149389" y="6317915"/>
+            <a:off x="16431839" y="6317915"/>
             <a:ext cx="7150100" cy="4305300"/>
           </a:xfrm>
           <a:prstGeom prst="rect">
@@ -3146,12 +3151,328 @@
           </a:prstGeom>
         </p:spPr>
       </p:pic>
+      <p:sp>
+        <p:nvSpPr>
+          <p:cNvPr id="16" name="TextBox 15">
+            <a:extLst>
+              <a:ext uri="{FF2B5EF4-FFF2-40B4-BE49-F238E27FC236}">
+                <a16:creationId xmlns:a16="http://schemas.microsoft.com/office/drawing/2014/main" id="{FB6E17DC-2DBA-6146-802E-FA319A89CE2C}"/>
+              </a:ext>
+            </a:extLst>
+          </p:cNvPr>
+          <p:cNvSpPr txBox="1"/>
+          <p:nvPr/>
+        </p:nvSpPr>
+        <p:spPr>
+          <a:xfrm>
+            <a:off x="1340184" y="1058779"/>
+            <a:ext cx="295274" cy="369332"/>
+          </a:xfrm>
+          <a:prstGeom prst="rect">
+            <a:avLst/>
+          </a:prstGeom>
+          <a:noFill/>
+        </p:spPr>
+        <p:txBody>
+          <a:bodyPr wrap="none" rtlCol="0">
+            <a:spAutoFit/>
+          </a:bodyPr>
+          <a:lstStyle/>
+          <a:p>
+            <a:r>
+              <a:rPr lang="en-US" dirty="0"/>
+              <a:t>a</a:t>
+            </a:r>
+          </a:p>
+        </p:txBody>
+      </p:sp>
+      <p:sp>
+        <p:nvSpPr>
+          <p:cNvPr id="17" name="TextBox 16">
+            <a:extLst>
+              <a:ext uri="{FF2B5EF4-FFF2-40B4-BE49-F238E27FC236}">
+                <a16:creationId xmlns:a16="http://schemas.microsoft.com/office/drawing/2014/main" id="{4D6F372F-91F7-7149-887B-A57418339637}"/>
+              </a:ext>
+            </a:extLst>
+          </p:cNvPr>
+          <p:cNvSpPr txBox="1"/>
+          <p:nvPr/>
+        </p:nvSpPr>
+        <p:spPr>
+          <a:xfrm>
+            <a:off x="9031537" y="1058779"/>
+            <a:ext cx="306494" cy="369332"/>
+          </a:xfrm>
+          <a:prstGeom prst="rect">
+            <a:avLst/>
+          </a:prstGeom>
+          <a:noFill/>
+        </p:spPr>
+        <p:txBody>
+          <a:bodyPr wrap="none" rtlCol="0">
+            <a:spAutoFit/>
+          </a:bodyPr>
+          <a:lstStyle/>
+          <a:p>
+            <a:r>
+              <a:rPr lang="en-US" dirty="0"/>
+              <a:t>b</a:t>
+            </a:r>
+          </a:p>
+        </p:txBody>
+      </p:sp>
+      <p:sp>
+        <p:nvSpPr>
+          <p:cNvPr id="18" name="TextBox 17">
+            <a:extLst>
+              <a:ext uri="{FF2B5EF4-FFF2-40B4-BE49-F238E27FC236}">
+                <a16:creationId xmlns:a16="http://schemas.microsoft.com/office/drawing/2014/main" id="{829718CC-825B-B74F-8482-EBDC336C2D9B}"/>
+              </a:ext>
+            </a:extLst>
+          </p:cNvPr>
+          <p:cNvSpPr txBox="1"/>
+          <p:nvPr/>
+        </p:nvSpPr>
+        <p:spPr>
+          <a:xfrm>
+            <a:off x="16149389" y="433137"/>
+            <a:ext cx="282450" cy="369332"/>
+          </a:xfrm>
+          <a:prstGeom prst="rect">
+            <a:avLst/>
+          </a:prstGeom>
+          <a:noFill/>
+        </p:spPr>
+        <p:txBody>
+          <a:bodyPr wrap="none" rtlCol="0">
+            <a:spAutoFit/>
+          </a:bodyPr>
+          <a:lstStyle/>
+          <a:p>
+            <a:r>
+              <a:rPr lang="en-US" dirty="0"/>
+              <a:t>c</a:t>
+            </a:r>
+          </a:p>
+        </p:txBody>
+      </p:sp>
+      <p:sp>
+        <p:nvSpPr>
+          <p:cNvPr id="19" name="TextBox 18">
+            <a:extLst>
+              <a:ext uri="{FF2B5EF4-FFF2-40B4-BE49-F238E27FC236}">
+                <a16:creationId xmlns:a16="http://schemas.microsoft.com/office/drawing/2014/main" id="{3FE93F59-7AEF-D646-BF17-5EABE3CFB849}"/>
+              </a:ext>
+            </a:extLst>
+          </p:cNvPr>
+          <p:cNvSpPr txBox="1"/>
+          <p:nvPr/>
+        </p:nvSpPr>
+        <p:spPr>
+          <a:xfrm>
+            <a:off x="1340184" y="6317915"/>
+            <a:ext cx="306494" cy="369332"/>
+          </a:xfrm>
+          <a:prstGeom prst="rect">
+            <a:avLst/>
+          </a:prstGeom>
+          <a:noFill/>
+        </p:spPr>
+        <p:txBody>
+          <a:bodyPr wrap="none" rtlCol="0">
+            <a:spAutoFit/>
+          </a:bodyPr>
+          <a:lstStyle/>
+          <a:p>
+            <a:r>
+              <a:rPr lang="en-US" dirty="0"/>
+              <a:t>d</a:t>
+            </a:r>
+          </a:p>
+        </p:txBody>
+      </p:sp>
+      <p:sp>
+        <p:nvSpPr>
+          <p:cNvPr id="20" name="TextBox 19">
+            <a:extLst>
+              <a:ext uri="{FF2B5EF4-FFF2-40B4-BE49-F238E27FC236}">
+                <a16:creationId xmlns:a16="http://schemas.microsoft.com/office/drawing/2014/main" id="{CEC7BD7A-9C77-9C46-B99E-21F8BCE51330}"/>
+              </a:ext>
+            </a:extLst>
+          </p:cNvPr>
+          <p:cNvSpPr txBox="1"/>
+          <p:nvPr/>
+        </p:nvSpPr>
+        <p:spPr>
+          <a:xfrm>
+            <a:off x="8605586" y="6317915"/>
+            <a:ext cx="300082" cy="369332"/>
+          </a:xfrm>
+          <a:prstGeom prst="rect">
+            <a:avLst/>
+          </a:prstGeom>
+          <a:noFill/>
+        </p:spPr>
+        <p:txBody>
+          <a:bodyPr wrap="none" rtlCol="0">
+            <a:spAutoFit/>
+          </a:bodyPr>
+          <a:lstStyle/>
+          <a:p>
+            <a:r>
+              <a:rPr lang="en-US" dirty="0"/>
+              <a:t>e</a:t>
+            </a:r>
+          </a:p>
+        </p:txBody>
+      </p:sp>
+      <p:sp>
+        <p:nvSpPr>
+          <p:cNvPr id="21" name="TextBox 20">
+            <a:extLst>
+              <a:ext uri="{FF2B5EF4-FFF2-40B4-BE49-F238E27FC236}">
+                <a16:creationId xmlns:a16="http://schemas.microsoft.com/office/drawing/2014/main" id="{E859728A-1CF3-AD4B-AB54-87F2B9D6BD42}"/>
+              </a:ext>
+            </a:extLst>
+          </p:cNvPr>
+          <p:cNvSpPr txBox="1"/>
+          <p:nvPr/>
+        </p:nvSpPr>
+        <p:spPr>
+          <a:xfrm>
+            <a:off x="15689179" y="5727032"/>
+            <a:ext cx="255198" cy="369332"/>
+          </a:xfrm>
+          <a:prstGeom prst="rect">
+            <a:avLst/>
+          </a:prstGeom>
+          <a:noFill/>
+        </p:spPr>
+        <p:txBody>
+          <a:bodyPr wrap="none" rtlCol="0">
+            <a:spAutoFit/>
+          </a:bodyPr>
+          <a:lstStyle/>
+          <a:p>
+            <a:r>
+              <a:rPr lang="en-US" dirty="0"/>
+              <a:t>f</a:t>
+            </a:r>
+          </a:p>
+        </p:txBody>
+      </p:sp>
+      <p:sp>
+        <p:nvSpPr>
+          <p:cNvPr id="22" name="TextBox 21">
+            <a:extLst>
+              <a:ext uri="{FF2B5EF4-FFF2-40B4-BE49-F238E27FC236}">
+                <a16:creationId xmlns:a16="http://schemas.microsoft.com/office/drawing/2014/main" id="{1456F4F1-3B66-DA44-92CF-1A4D3B68CDC2}"/>
+              </a:ext>
+            </a:extLst>
+          </p:cNvPr>
+          <p:cNvSpPr txBox="1"/>
+          <p:nvPr/>
+        </p:nvSpPr>
+        <p:spPr>
+          <a:xfrm>
+            <a:off x="1340184" y="11542656"/>
+            <a:ext cx="328936" cy="461665"/>
+          </a:xfrm>
+          <a:prstGeom prst="rect">
+            <a:avLst/>
+          </a:prstGeom>
+          <a:noFill/>
+        </p:spPr>
+        <p:txBody>
+          <a:bodyPr wrap="none" rtlCol="0">
+            <a:spAutoFit/>
+          </a:bodyPr>
+          <a:lstStyle/>
+          <a:p>
+            <a:r>
+              <a:rPr lang="en-US" sz="2400" dirty="0"/>
+              <a:t>g</a:t>
+            </a:r>
+          </a:p>
+        </p:txBody>
+      </p:sp>
+      <p:sp>
+        <p:nvSpPr>
+          <p:cNvPr id="23" name="TextBox 22">
+            <a:extLst>
+              <a:ext uri="{FF2B5EF4-FFF2-40B4-BE49-F238E27FC236}">
+                <a16:creationId xmlns:a16="http://schemas.microsoft.com/office/drawing/2014/main" id="{1F38FB5C-2A4F-6C44-81A7-132681AAA10C}"/>
+              </a:ext>
+            </a:extLst>
+          </p:cNvPr>
+          <p:cNvSpPr txBox="1"/>
+          <p:nvPr/>
+        </p:nvSpPr>
+        <p:spPr>
+          <a:xfrm>
+            <a:off x="8605586" y="11542656"/>
+            <a:ext cx="346570" cy="461665"/>
+          </a:xfrm>
+          <a:prstGeom prst="rect">
+            <a:avLst/>
+          </a:prstGeom>
+          <a:noFill/>
+        </p:spPr>
+        <p:txBody>
+          <a:bodyPr wrap="none" rtlCol="0">
+            <a:spAutoFit/>
+          </a:bodyPr>
+          <a:lstStyle/>
+          <a:p>
+            <a:r>
+              <a:rPr lang="en-US" sz="2400" dirty="0"/>
+              <a:t>h</a:t>
+            </a:r>
+          </a:p>
+        </p:txBody>
+      </p:sp>
+      <p:sp>
+        <p:nvSpPr>
+          <p:cNvPr id="24" name="TextBox 23">
+            <a:extLst>
+              <a:ext uri="{FF2B5EF4-FFF2-40B4-BE49-F238E27FC236}">
+                <a16:creationId xmlns:a16="http://schemas.microsoft.com/office/drawing/2014/main" id="{1B6E5EB1-ECEF-F643-98A5-014263E28D82}"/>
+              </a:ext>
+            </a:extLst>
+          </p:cNvPr>
+          <p:cNvSpPr txBox="1"/>
+          <p:nvPr/>
+        </p:nvSpPr>
+        <p:spPr>
+          <a:xfrm>
+            <a:off x="16120341" y="11542656"/>
+            <a:ext cx="255198" cy="461665"/>
+          </a:xfrm>
+          <a:prstGeom prst="rect">
+            <a:avLst/>
+          </a:prstGeom>
+          <a:noFill/>
+        </p:spPr>
+        <p:txBody>
+          <a:bodyPr wrap="none" rtlCol="0">
+            <a:spAutoFit/>
+          </a:bodyPr>
+          <a:lstStyle/>
+          <a:p>
+            <a:r>
+              <a:rPr lang="en-US" sz="2400" dirty="0" err="1"/>
+              <a:t>i</a:t>
+            </a:r>
+            <a:endParaRPr lang="en-US" sz="2400" dirty="0"/>
+          </a:p>
+        </p:txBody>
+      </p:sp>
       <p:pic>
         <p:nvPicPr>
-          <p:cNvPr id="10" name="Picture 9">
+          <p:cNvPr id="3" name="Picture 2" descr="A screenshot of a cell phone&#10;&#10;Description automatically generated">
             <a:extLst>
               <a:ext uri="{FF2B5EF4-FFF2-40B4-BE49-F238E27FC236}">
-                <a16:creationId xmlns:a16="http://schemas.microsoft.com/office/drawing/2014/main" id="{FA829461-4356-D04F-B8CC-CAE1073D48B2}"/>
+                <a16:creationId xmlns:a16="http://schemas.microsoft.com/office/drawing/2014/main" id="{22D5C6EA-9ED8-274B-BB3A-1E7031442F85}"/>
               </a:ext>
             </a:extLst>
           </p:cNvPr>
@@ -3168,8 +3489,8 @@
         </p:blipFill>
         <p:spPr>
           <a:xfrm>
-            <a:off x="1775327" y="16800764"/>
-            <a:ext cx="6832600" cy="4038600"/>
+            <a:off x="1487821" y="12206035"/>
+            <a:ext cx="5842000" cy="3568700"/>
           </a:xfrm>
           <a:prstGeom prst="rect">
             <a:avLst/>
@@ -3178,10 +3499,10 @@
       </p:pic>
       <p:pic>
         <p:nvPicPr>
-          <p:cNvPr id="11" name="Picture 10">
+          <p:cNvPr id="26" name="Picture 25" descr="A screenshot of a cell phone&#10;&#10;Description automatically generated">
             <a:extLst>
               <a:ext uri="{FF2B5EF4-FFF2-40B4-BE49-F238E27FC236}">
-                <a16:creationId xmlns:a16="http://schemas.microsoft.com/office/drawing/2014/main" id="{CD813C0D-00BA-8149-8F72-706AD4F262D1}"/>
+                <a16:creationId xmlns:a16="http://schemas.microsoft.com/office/drawing/2014/main" id="{184BA8A3-8480-EA40-A4D5-D1555C3BBC0C}"/>
               </a:ext>
             </a:extLst>
           </p:cNvPr>
@@ -3198,8 +3519,8 @@
         </p:blipFill>
         <p:spPr>
           <a:xfrm>
-            <a:off x="9419388" y="16800764"/>
-            <a:ext cx="5638800" cy="4241800"/>
+            <a:off x="8974387" y="12206035"/>
+            <a:ext cx="5715000" cy="3568700"/>
           </a:xfrm>
           <a:prstGeom prst="rect">
             <a:avLst/>
@@ -3208,10 +3529,10 @@
       </p:pic>
       <p:pic>
         <p:nvPicPr>
-          <p:cNvPr id="12" name="Picture 11">
+          <p:cNvPr id="28" name="Picture 27" descr="A screenshot of a cell phone&#10;&#10;Description automatically generated">
             <a:extLst>
               <a:ext uri="{FF2B5EF4-FFF2-40B4-BE49-F238E27FC236}">
-                <a16:creationId xmlns:a16="http://schemas.microsoft.com/office/drawing/2014/main" id="{39E1FD20-D5D8-2347-BF19-0F7F60150424}"/>
+                <a16:creationId xmlns:a16="http://schemas.microsoft.com/office/drawing/2014/main" id="{66B57D15-EF5F-404B-9450-948A502B021B}"/>
               </a:ext>
             </a:extLst>
           </p:cNvPr>
@@ -3228,8 +3549,8 @@
         </p:blipFill>
         <p:spPr>
           <a:xfrm>
-            <a:off x="16149389" y="16686464"/>
-            <a:ext cx="5740400" cy="4267200"/>
+            <a:off x="16431839" y="11931650"/>
+            <a:ext cx="5715000" cy="3568700"/>
           </a:xfrm>
           <a:prstGeom prst="rect">
             <a:avLst/>
@@ -3238,10 +3559,10 @@
       </p:pic>
       <p:pic>
         <p:nvPicPr>
-          <p:cNvPr id="13" name="Picture 12">
+          <p:cNvPr id="32" name="Picture 31" descr="A screenshot of a cell phone&#10;&#10;Description automatically generated">
             <a:extLst>
               <a:ext uri="{FF2B5EF4-FFF2-40B4-BE49-F238E27FC236}">
-                <a16:creationId xmlns:a16="http://schemas.microsoft.com/office/drawing/2014/main" id="{44B067E6-90FA-404A-9032-A77F4E921635}"/>
+                <a16:creationId xmlns:a16="http://schemas.microsoft.com/office/drawing/2014/main" id="{2C4B7FA3-BB2B-7B4B-A620-A88257E4779F}"/>
               </a:ext>
             </a:extLst>
           </p:cNvPr>
@@ -3258,8 +3579,8 @@
         </p:blipFill>
         <p:spPr>
           <a:xfrm>
-            <a:off x="2038684" y="12333035"/>
-            <a:ext cx="5740400" cy="3670300"/>
+            <a:off x="9031537" y="17357555"/>
+            <a:ext cx="7594600" cy="4572000"/>
           </a:xfrm>
           <a:prstGeom prst="rect">
             <a:avLst/>
@@ -3268,10 +3589,10 @@
       </p:pic>
       <p:pic>
         <p:nvPicPr>
-          <p:cNvPr id="14" name="Picture 13">
+          <p:cNvPr id="34" name="Picture 33" descr="A screenshot of a cell phone&#10;&#10;Description automatically generated">
             <a:extLst>
               <a:ext uri="{FF2B5EF4-FFF2-40B4-BE49-F238E27FC236}">
-                <a16:creationId xmlns:a16="http://schemas.microsoft.com/office/drawing/2014/main" id="{ADEEA743-C5A8-C64F-B9AB-C9846A8AA542}"/>
+                <a16:creationId xmlns:a16="http://schemas.microsoft.com/office/drawing/2014/main" id="{F26BF8FE-7C8F-7746-BF59-8C3704EAB6FC}"/>
               </a:ext>
             </a:extLst>
           </p:cNvPr>
@@ -3288,8 +3609,8 @@
         </p:blipFill>
         <p:spPr>
           <a:xfrm>
-            <a:off x="8605586" y="11909285"/>
-            <a:ext cx="6452602" cy="4153234"/>
+            <a:off x="16431839" y="17276981"/>
+            <a:ext cx="7594600" cy="4572000"/>
           </a:xfrm>
           <a:prstGeom prst="rect">
             <a:avLst/>
@@ -3298,10 +3619,10 @@
       </p:pic>
       <p:pic>
         <p:nvPicPr>
-          <p:cNvPr id="15" name="Picture 14">
+          <p:cNvPr id="36" name="Picture 35" descr="A picture containing screenshot, game&#10;&#10;Description automatically generated">
             <a:extLst>
               <a:ext uri="{FF2B5EF4-FFF2-40B4-BE49-F238E27FC236}">
-                <a16:creationId xmlns:a16="http://schemas.microsoft.com/office/drawing/2014/main" id="{42C6625F-D502-CC49-9DAE-DEADCF56B93E}"/>
+                <a16:creationId xmlns:a16="http://schemas.microsoft.com/office/drawing/2014/main" id="{E54861D3-7C78-4E46-80AA-6CF229798F78}"/>
               </a:ext>
             </a:extLst>
           </p:cNvPr>
@@ -3318,330 +3639,14 @@
         </p:blipFill>
         <p:spPr>
           <a:xfrm>
-            <a:off x="16149389" y="11698035"/>
-            <a:ext cx="6650947" cy="4305300"/>
+            <a:off x="1280215" y="17341510"/>
+            <a:ext cx="7594600" cy="4572000"/>
           </a:xfrm>
           <a:prstGeom prst="rect">
             <a:avLst/>
           </a:prstGeom>
         </p:spPr>
       </p:pic>
-      <p:sp>
-        <p:nvSpPr>
-          <p:cNvPr id="16" name="TextBox 15">
-            <a:extLst>
-              <a:ext uri="{FF2B5EF4-FFF2-40B4-BE49-F238E27FC236}">
-                <a16:creationId xmlns:a16="http://schemas.microsoft.com/office/drawing/2014/main" id="{FB6E17DC-2DBA-6146-802E-FA319A89CE2C}"/>
-              </a:ext>
-            </a:extLst>
-          </p:cNvPr>
-          <p:cNvSpPr txBox="1"/>
-          <p:nvPr/>
-        </p:nvSpPr>
-        <p:spPr>
-          <a:xfrm>
-            <a:off x="1340184" y="1058779"/>
-            <a:ext cx="295274" cy="369332"/>
-          </a:xfrm>
-          <a:prstGeom prst="rect">
-            <a:avLst/>
-          </a:prstGeom>
-          <a:noFill/>
-        </p:spPr>
-        <p:txBody>
-          <a:bodyPr wrap="none" rtlCol="0">
-            <a:spAutoFit/>
-          </a:bodyPr>
-          <a:lstStyle/>
-          <a:p>
-            <a:r>
-              <a:rPr lang="en-US" dirty="0"/>
-              <a:t>a</a:t>
-            </a:r>
-          </a:p>
-        </p:txBody>
-      </p:sp>
-      <p:sp>
-        <p:nvSpPr>
-          <p:cNvPr id="17" name="TextBox 16">
-            <a:extLst>
-              <a:ext uri="{FF2B5EF4-FFF2-40B4-BE49-F238E27FC236}">
-                <a16:creationId xmlns:a16="http://schemas.microsoft.com/office/drawing/2014/main" id="{4D6F372F-91F7-7149-887B-A57418339637}"/>
-              </a:ext>
-            </a:extLst>
-          </p:cNvPr>
-          <p:cNvSpPr txBox="1"/>
-          <p:nvPr/>
-        </p:nvSpPr>
-        <p:spPr>
-          <a:xfrm>
-            <a:off x="9031537" y="1058779"/>
-            <a:ext cx="306494" cy="369332"/>
-          </a:xfrm>
-          <a:prstGeom prst="rect">
-            <a:avLst/>
-          </a:prstGeom>
-          <a:noFill/>
-        </p:spPr>
-        <p:txBody>
-          <a:bodyPr wrap="none" rtlCol="0">
-            <a:spAutoFit/>
-          </a:bodyPr>
-          <a:lstStyle/>
-          <a:p>
-            <a:r>
-              <a:rPr lang="en-US" dirty="0"/>
-              <a:t>b</a:t>
-            </a:r>
-          </a:p>
-        </p:txBody>
-      </p:sp>
-      <p:sp>
-        <p:nvSpPr>
-          <p:cNvPr id="18" name="TextBox 17">
-            <a:extLst>
-              <a:ext uri="{FF2B5EF4-FFF2-40B4-BE49-F238E27FC236}">
-                <a16:creationId xmlns:a16="http://schemas.microsoft.com/office/drawing/2014/main" id="{829718CC-825B-B74F-8482-EBDC336C2D9B}"/>
-              </a:ext>
-            </a:extLst>
-          </p:cNvPr>
-          <p:cNvSpPr txBox="1"/>
-          <p:nvPr/>
-        </p:nvSpPr>
-        <p:spPr>
-          <a:xfrm>
-            <a:off x="16149389" y="433137"/>
-            <a:ext cx="282450" cy="369332"/>
-          </a:xfrm>
-          <a:prstGeom prst="rect">
-            <a:avLst/>
-          </a:prstGeom>
-          <a:noFill/>
-        </p:spPr>
-        <p:txBody>
-          <a:bodyPr wrap="none" rtlCol="0">
-            <a:spAutoFit/>
-          </a:bodyPr>
-          <a:lstStyle/>
-          <a:p>
-            <a:r>
-              <a:rPr lang="en-US" dirty="0"/>
-              <a:t>c</a:t>
-            </a:r>
-          </a:p>
-        </p:txBody>
-      </p:sp>
-      <p:sp>
-        <p:nvSpPr>
-          <p:cNvPr id="19" name="TextBox 18">
-            <a:extLst>
-              <a:ext uri="{FF2B5EF4-FFF2-40B4-BE49-F238E27FC236}">
-                <a16:creationId xmlns:a16="http://schemas.microsoft.com/office/drawing/2014/main" id="{3FE93F59-7AEF-D646-BF17-5EABE3CFB849}"/>
-              </a:ext>
-            </a:extLst>
-          </p:cNvPr>
-          <p:cNvSpPr txBox="1"/>
-          <p:nvPr/>
-        </p:nvSpPr>
-        <p:spPr>
-          <a:xfrm>
-            <a:off x="1340184" y="6317915"/>
-            <a:ext cx="306494" cy="369332"/>
-          </a:xfrm>
-          <a:prstGeom prst="rect">
-            <a:avLst/>
-          </a:prstGeom>
-          <a:noFill/>
-        </p:spPr>
-        <p:txBody>
-          <a:bodyPr wrap="none" rtlCol="0">
-            <a:spAutoFit/>
-          </a:bodyPr>
-          <a:lstStyle/>
-          <a:p>
-            <a:r>
-              <a:rPr lang="en-US" dirty="0"/>
-              <a:t>d</a:t>
-            </a:r>
-          </a:p>
-        </p:txBody>
-      </p:sp>
-      <p:sp>
-        <p:nvSpPr>
-          <p:cNvPr id="20" name="TextBox 19">
-            <a:extLst>
-              <a:ext uri="{FF2B5EF4-FFF2-40B4-BE49-F238E27FC236}">
-                <a16:creationId xmlns:a16="http://schemas.microsoft.com/office/drawing/2014/main" id="{CEC7BD7A-9C77-9C46-B99E-21F8BCE51330}"/>
-              </a:ext>
-            </a:extLst>
-          </p:cNvPr>
-          <p:cNvSpPr txBox="1"/>
-          <p:nvPr/>
-        </p:nvSpPr>
-        <p:spPr>
-          <a:xfrm>
-            <a:off x="8605586" y="6317915"/>
-            <a:ext cx="300082" cy="369332"/>
-          </a:xfrm>
-          <a:prstGeom prst="rect">
-            <a:avLst/>
-          </a:prstGeom>
-          <a:noFill/>
-        </p:spPr>
-        <p:txBody>
-          <a:bodyPr wrap="none" rtlCol="0">
-            <a:spAutoFit/>
-          </a:bodyPr>
-          <a:lstStyle/>
-          <a:p>
-            <a:r>
-              <a:rPr lang="en-US" dirty="0"/>
-              <a:t>e</a:t>
-            </a:r>
-          </a:p>
-        </p:txBody>
-      </p:sp>
-      <p:sp>
-        <p:nvSpPr>
-          <p:cNvPr id="21" name="TextBox 20">
-            <a:extLst>
-              <a:ext uri="{FF2B5EF4-FFF2-40B4-BE49-F238E27FC236}">
-                <a16:creationId xmlns:a16="http://schemas.microsoft.com/office/drawing/2014/main" id="{E859728A-1CF3-AD4B-AB54-87F2B9D6BD42}"/>
-              </a:ext>
-            </a:extLst>
-          </p:cNvPr>
-          <p:cNvSpPr txBox="1"/>
-          <p:nvPr/>
-        </p:nvSpPr>
-        <p:spPr>
-          <a:xfrm>
-            <a:off x="15689179" y="5727032"/>
-            <a:ext cx="255198" cy="369332"/>
-          </a:xfrm>
-          <a:prstGeom prst="rect">
-            <a:avLst/>
-          </a:prstGeom>
-          <a:noFill/>
-        </p:spPr>
-        <p:txBody>
-          <a:bodyPr wrap="none" rtlCol="0">
-            <a:spAutoFit/>
-          </a:bodyPr>
-          <a:lstStyle/>
-          <a:p>
-            <a:r>
-              <a:rPr lang="en-US" dirty="0"/>
-              <a:t>f</a:t>
-            </a:r>
-          </a:p>
-        </p:txBody>
-      </p:sp>
-      <p:sp>
-        <p:nvSpPr>
-          <p:cNvPr id="22" name="TextBox 21">
-            <a:extLst>
-              <a:ext uri="{FF2B5EF4-FFF2-40B4-BE49-F238E27FC236}">
-                <a16:creationId xmlns:a16="http://schemas.microsoft.com/office/drawing/2014/main" id="{1456F4F1-3B66-DA44-92CF-1A4D3B68CDC2}"/>
-              </a:ext>
-            </a:extLst>
-          </p:cNvPr>
-          <p:cNvSpPr txBox="1"/>
-          <p:nvPr/>
-        </p:nvSpPr>
-        <p:spPr>
-          <a:xfrm>
-            <a:off x="1340184" y="11698035"/>
-            <a:ext cx="293670" cy="369332"/>
-          </a:xfrm>
-          <a:prstGeom prst="rect">
-            <a:avLst/>
-          </a:prstGeom>
-          <a:noFill/>
-        </p:spPr>
-        <p:txBody>
-          <a:bodyPr wrap="none" rtlCol="0">
-            <a:spAutoFit/>
-          </a:bodyPr>
-          <a:lstStyle/>
-          <a:p>
-            <a:r>
-              <a:rPr lang="en-US" dirty="0"/>
-              <a:t>g</a:t>
-            </a:r>
-          </a:p>
-        </p:txBody>
-      </p:sp>
-      <p:sp>
-        <p:nvSpPr>
-          <p:cNvPr id="23" name="TextBox 22">
-            <a:extLst>
-              <a:ext uri="{FF2B5EF4-FFF2-40B4-BE49-F238E27FC236}">
-                <a16:creationId xmlns:a16="http://schemas.microsoft.com/office/drawing/2014/main" id="{1F38FB5C-2A4F-6C44-81A7-132681AAA10C}"/>
-              </a:ext>
-            </a:extLst>
-          </p:cNvPr>
-          <p:cNvSpPr txBox="1"/>
-          <p:nvPr/>
-        </p:nvSpPr>
-        <p:spPr>
-          <a:xfrm>
-            <a:off x="8605586" y="11520905"/>
-            <a:ext cx="306494" cy="369332"/>
-          </a:xfrm>
-          <a:prstGeom prst="rect">
-            <a:avLst/>
-          </a:prstGeom>
-          <a:noFill/>
-        </p:spPr>
-        <p:txBody>
-          <a:bodyPr wrap="none" rtlCol="0">
-            <a:spAutoFit/>
-          </a:bodyPr>
-          <a:lstStyle/>
-          <a:p>
-            <a:r>
-              <a:rPr lang="en-US" dirty="0"/>
-              <a:t>h</a:t>
-            </a:r>
-          </a:p>
-        </p:txBody>
-      </p:sp>
-      <p:sp>
-        <p:nvSpPr>
-          <p:cNvPr id="24" name="TextBox 23">
-            <a:extLst>
-              <a:ext uri="{FF2B5EF4-FFF2-40B4-BE49-F238E27FC236}">
-                <a16:creationId xmlns:a16="http://schemas.microsoft.com/office/drawing/2014/main" id="{1B6E5EB1-ECEF-F643-98A5-014263E28D82}"/>
-              </a:ext>
-            </a:extLst>
-          </p:cNvPr>
-          <p:cNvSpPr txBox="1"/>
-          <p:nvPr/>
-        </p:nvSpPr>
-        <p:spPr>
-          <a:xfrm>
-            <a:off x="15944377" y="11520905"/>
-            <a:ext cx="237566" cy="369332"/>
-          </a:xfrm>
-          <a:prstGeom prst="rect">
-            <a:avLst/>
-          </a:prstGeom>
-          <a:noFill/>
-        </p:spPr>
-        <p:txBody>
-          <a:bodyPr wrap="none" rtlCol="0">
-            <a:spAutoFit/>
-          </a:bodyPr>
-          <a:lstStyle/>
-          <a:p>
-            <a:r>
-              <a:rPr lang="en-US" dirty="0" err="1"/>
-              <a:t>i</a:t>
-            </a:r>
-            <a:endParaRPr lang="en-US" dirty="0"/>
-          </a:p>
-        </p:txBody>
-      </p:sp>
     </p:spTree>
     <p:extLst>
       <p:ext uri="{BB962C8B-B14F-4D97-AF65-F5344CB8AC3E}">

--- a/figures_multi_panel/Fig2.pptx
+++ b/figures_multi_panel/Fig2.pptx
@@ -243,7 +243,7 @@
           <a:p>
             <a:fld id="{6CC00600-55A3-224A-BE55-83853FB2FC5E}" type="datetimeFigureOut">
               <a:rPr lang="en-US" smtClean="0"/>
-              <a:t>2/5/20</a:t>
+              <a:t>2/25/20</a:t>
             </a:fld>
             <a:endParaRPr lang="en-US"/>
           </a:p>
@@ -413,7 +413,7 @@
           <a:p>
             <a:fld id="{6CC00600-55A3-224A-BE55-83853FB2FC5E}" type="datetimeFigureOut">
               <a:rPr lang="en-US" smtClean="0"/>
-              <a:t>2/5/20</a:t>
+              <a:t>2/25/20</a:t>
             </a:fld>
             <a:endParaRPr lang="en-US"/>
           </a:p>
@@ -593,7 +593,7 @@
           <a:p>
             <a:fld id="{6CC00600-55A3-224A-BE55-83853FB2FC5E}" type="datetimeFigureOut">
               <a:rPr lang="en-US" smtClean="0"/>
-              <a:t>2/5/20</a:t>
+              <a:t>2/25/20</a:t>
             </a:fld>
             <a:endParaRPr lang="en-US"/>
           </a:p>
@@ -763,7 +763,7 @@
           <a:p>
             <a:fld id="{6CC00600-55A3-224A-BE55-83853FB2FC5E}" type="datetimeFigureOut">
               <a:rPr lang="en-US" smtClean="0"/>
-              <a:t>2/5/20</a:t>
+              <a:t>2/25/20</a:t>
             </a:fld>
             <a:endParaRPr lang="en-US"/>
           </a:p>
@@ -1007,7 +1007,7 @@
           <a:p>
             <a:fld id="{6CC00600-55A3-224A-BE55-83853FB2FC5E}" type="datetimeFigureOut">
               <a:rPr lang="en-US" smtClean="0"/>
-              <a:t>2/5/20</a:t>
+              <a:t>2/25/20</a:t>
             </a:fld>
             <a:endParaRPr lang="en-US"/>
           </a:p>
@@ -1239,7 +1239,7 @@
           <a:p>
             <a:fld id="{6CC00600-55A3-224A-BE55-83853FB2FC5E}" type="datetimeFigureOut">
               <a:rPr lang="en-US" smtClean="0"/>
-              <a:t>2/5/20</a:t>
+              <a:t>2/25/20</a:t>
             </a:fld>
             <a:endParaRPr lang="en-US"/>
           </a:p>
@@ -1606,7 +1606,7 @@
           <a:p>
             <a:fld id="{6CC00600-55A3-224A-BE55-83853FB2FC5E}" type="datetimeFigureOut">
               <a:rPr lang="en-US" smtClean="0"/>
-              <a:t>2/5/20</a:t>
+              <a:t>2/25/20</a:t>
             </a:fld>
             <a:endParaRPr lang="en-US"/>
           </a:p>
@@ -1724,7 +1724,7 @@
           <a:p>
             <a:fld id="{6CC00600-55A3-224A-BE55-83853FB2FC5E}" type="datetimeFigureOut">
               <a:rPr lang="en-US" smtClean="0"/>
-              <a:t>2/5/20</a:t>
+              <a:t>2/25/20</a:t>
             </a:fld>
             <a:endParaRPr lang="en-US"/>
           </a:p>
@@ -1819,7 +1819,7 @@
           <a:p>
             <a:fld id="{6CC00600-55A3-224A-BE55-83853FB2FC5E}" type="datetimeFigureOut">
               <a:rPr lang="en-US" smtClean="0"/>
-              <a:t>2/5/20</a:t>
+              <a:t>2/25/20</a:t>
             </a:fld>
             <a:endParaRPr lang="en-US"/>
           </a:p>
@@ -2096,7 +2096,7 @@
           <a:p>
             <a:fld id="{6CC00600-55A3-224A-BE55-83853FB2FC5E}" type="datetimeFigureOut">
               <a:rPr lang="en-US" smtClean="0"/>
-              <a:t>2/5/20</a:t>
+              <a:t>2/25/20</a:t>
             </a:fld>
             <a:endParaRPr lang="en-US"/>
           </a:p>
@@ -2353,7 +2353,7 @@
           <a:p>
             <a:fld id="{6CC00600-55A3-224A-BE55-83853FB2FC5E}" type="datetimeFigureOut">
               <a:rPr lang="en-US" smtClean="0"/>
-              <a:t>2/5/20</a:t>
+              <a:t>2/25/20</a:t>
             </a:fld>
             <a:endParaRPr lang="en-US"/>
           </a:p>
@@ -2566,7 +2566,7 @@
           <a:p>
             <a:fld id="{6CC00600-55A3-224A-BE55-83853FB2FC5E}" type="datetimeFigureOut">
               <a:rPr lang="en-US" smtClean="0"/>
-              <a:t>2/5/20</a:t>
+              <a:t>2/25/20</a:t>
             </a:fld>
             <a:endParaRPr lang="en-US"/>
           </a:p>
@@ -2971,186 +2971,6 @@
           <a:chExt cx="0" cy="0"/>
         </a:xfrm>
       </p:grpSpPr>
-      <p:pic>
-        <p:nvPicPr>
-          <p:cNvPr id="4" name="Picture 3">
-            <a:extLst>
-              <a:ext uri="{FF2B5EF4-FFF2-40B4-BE49-F238E27FC236}">
-                <a16:creationId xmlns:a16="http://schemas.microsoft.com/office/drawing/2014/main" id="{122395B9-CF5A-4546-B9A6-19AA48EA97FB}"/>
-              </a:ext>
-            </a:extLst>
-          </p:cNvPr>
-          <p:cNvPicPr>
-            <a:picLocks noChangeAspect="1"/>
-          </p:cNvPicPr>
-          <p:nvPr/>
-        </p:nvPicPr>
-        <p:blipFill>
-          <a:blip r:embed="rId2"/>
-          <a:stretch>
-            <a:fillRect/>
-          </a:stretch>
-        </p:blipFill>
-        <p:spPr>
-          <a:xfrm>
-            <a:off x="1679074" y="1750595"/>
-            <a:ext cx="5689600" cy="3530600"/>
-          </a:xfrm>
-          <a:prstGeom prst="rect">
-            <a:avLst/>
-          </a:prstGeom>
-        </p:spPr>
-      </p:pic>
-      <p:pic>
-        <p:nvPicPr>
-          <p:cNvPr id="5" name="Picture 4">
-            <a:extLst>
-              <a:ext uri="{FF2B5EF4-FFF2-40B4-BE49-F238E27FC236}">
-                <a16:creationId xmlns:a16="http://schemas.microsoft.com/office/drawing/2014/main" id="{049C73E5-82D1-9D43-93F4-1C727EDD7924}"/>
-              </a:ext>
-            </a:extLst>
-          </p:cNvPr>
-          <p:cNvPicPr>
-            <a:picLocks noChangeAspect="1"/>
-          </p:cNvPicPr>
-          <p:nvPr/>
-        </p:nvPicPr>
-        <p:blipFill>
-          <a:blip r:embed="rId3"/>
-          <a:stretch>
-            <a:fillRect/>
-          </a:stretch>
-        </p:blipFill>
-        <p:spPr>
-          <a:xfrm>
-            <a:off x="9031537" y="1699795"/>
-            <a:ext cx="5600700" cy="3632200"/>
-          </a:xfrm>
-          <a:prstGeom prst="rect">
-            <a:avLst/>
-          </a:prstGeom>
-        </p:spPr>
-      </p:pic>
-      <p:pic>
-        <p:nvPicPr>
-          <p:cNvPr id="6" name="Picture 5">
-            <a:extLst>
-              <a:ext uri="{FF2B5EF4-FFF2-40B4-BE49-F238E27FC236}">
-                <a16:creationId xmlns:a16="http://schemas.microsoft.com/office/drawing/2014/main" id="{07900843-AD6E-6547-8D7F-E2AED1AE940D}"/>
-              </a:ext>
-            </a:extLst>
-          </p:cNvPr>
-          <p:cNvPicPr>
-            <a:picLocks noChangeAspect="1"/>
-          </p:cNvPicPr>
-          <p:nvPr/>
-        </p:nvPicPr>
-        <p:blipFill>
-          <a:blip r:embed="rId4"/>
-          <a:stretch>
-            <a:fillRect/>
-          </a:stretch>
-        </p:blipFill>
-        <p:spPr>
-          <a:xfrm>
-            <a:off x="16706262" y="1737895"/>
-            <a:ext cx="5537200" cy="3556000"/>
-          </a:xfrm>
-          <a:prstGeom prst="rect">
-            <a:avLst/>
-          </a:prstGeom>
-        </p:spPr>
-      </p:pic>
-      <p:pic>
-        <p:nvPicPr>
-          <p:cNvPr id="7" name="Picture 6">
-            <a:extLst>
-              <a:ext uri="{FF2B5EF4-FFF2-40B4-BE49-F238E27FC236}">
-                <a16:creationId xmlns:a16="http://schemas.microsoft.com/office/drawing/2014/main" id="{98C09C2A-4A38-484C-9166-F5321BFF0D9D}"/>
-              </a:ext>
-            </a:extLst>
-          </p:cNvPr>
-          <p:cNvPicPr>
-            <a:picLocks noChangeAspect="1"/>
-          </p:cNvPicPr>
-          <p:nvPr/>
-        </p:nvPicPr>
-        <p:blipFill>
-          <a:blip r:embed="rId5"/>
-          <a:stretch>
-            <a:fillRect/>
-          </a:stretch>
-        </p:blipFill>
-        <p:spPr>
-          <a:xfrm>
-            <a:off x="1280215" y="6849901"/>
-            <a:ext cx="7137400" cy="4140200"/>
-          </a:xfrm>
-          <a:prstGeom prst="rect">
-            <a:avLst/>
-          </a:prstGeom>
-        </p:spPr>
-      </p:pic>
-      <p:pic>
-        <p:nvPicPr>
-          <p:cNvPr id="8" name="Picture 7">
-            <a:extLst>
-              <a:ext uri="{FF2B5EF4-FFF2-40B4-BE49-F238E27FC236}">
-                <a16:creationId xmlns:a16="http://schemas.microsoft.com/office/drawing/2014/main" id="{372D8A06-BDD0-A649-AE06-6A8AFB2EB668}"/>
-              </a:ext>
-            </a:extLst>
-          </p:cNvPr>
-          <p:cNvPicPr>
-            <a:picLocks noChangeAspect="1"/>
-          </p:cNvPicPr>
-          <p:nvPr/>
-        </p:nvPicPr>
-        <p:blipFill>
-          <a:blip r:embed="rId6"/>
-          <a:stretch>
-            <a:fillRect/>
-          </a:stretch>
-        </p:blipFill>
-        <p:spPr>
-          <a:xfrm>
-            <a:off x="8605586" y="6962787"/>
-            <a:ext cx="6452602" cy="3914428"/>
-          </a:xfrm>
-          <a:prstGeom prst="rect">
-            <a:avLst/>
-          </a:prstGeom>
-        </p:spPr>
-      </p:pic>
-      <p:pic>
-        <p:nvPicPr>
-          <p:cNvPr id="9" name="Picture 8">
-            <a:extLst>
-              <a:ext uri="{FF2B5EF4-FFF2-40B4-BE49-F238E27FC236}">
-                <a16:creationId xmlns:a16="http://schemas.microsoft.com/office/drawing/2014/main" id="{D26EB0B7-E7D6-9840-90B6-69DF35E77906}"/>
-              </a:ext>
-            </a:extLst>
-          </p:cNvPr>
-          <p:cNvPicPr>
-            <a:picLocks noChangeAspect="1"/>
-          </p:cNvPicPr>
-          <p:nvPr/>
-        </p:nvPicPr>
-        <p:blipFill>
-          <a:blip r:embed="rId7"/>
-          <a:stretch>
-            <a:fillRect/>
-          </a:stretch>
-        </p:blipFill>
-        <p:spPr>
-          <a:xfrm>
-            <a:off x="16431839" y="6317915"/>
-            <a:ext cx="7150100" cy="4305300"/>
-          </a:xfrm>
-          <a:prstGeom prst="rect">
-            <a:avLst/>
-          </a:prstGeom>
-        </p:spPr>
-      </p:pic>
       <p:sp>
         <p:nvSpPr>
           <p:cNvPr id="16" name="TextBox 15">
@@ -3166,7 +2986,7 @@
         <p:spPr>
           <a:xfrm>
             <a:off x="1340184" y="1058779"/>
-            <a:ext cx="295274" cy="369332"/>
+            <a:ext cx="332142" cy="461665"/>
           </a:xfrm>
           <a:prstGeom prst="rect">
             <a:avLst/>
@@ -3180,7 +3000,7 @@
           <a:lstStyle/>
           <a:p>
             <a:r>
-              <a:rPr lang="en-US" dirty="0"/>
+              <a:rPr lang="en-US" sz="2400" dirty="0"/>
               <a:t>a</a:t>
             </a:r>
           </a:p>
@@ -3200,8 +3020,8 @@
         </p:nvSpPr>
         <p:spPr>
           <a:xfrm>
-            <a:off x="9031537" y="1058779"/>
-            <a:ext cx="306494" cy="369332"/>
+            <a:off x="8599174" y="1031565"/>
+            <a:ext cx="346570" cy="461665"/>
           </a:xfrm>
           <a:prstGeom prst="rect">
             <a:avLst/>
@@ -3215,7 +3035,7 @@
           <a:lstStyle/>
           <a:p>
             <a:r>
-              <a:rPr lang="en-US" dirty="0"/>
+              <a:rPr lang="en-US" sz="2400" dirty="0"/>
               <a:t>b</a:t>
             </a:r>
           </a:p>
@@ -3235,8 +3055,8 @@
         </p:nvSpPr>
         <p:spPr>
           <a:xfrm>
-            <a:off x="16149389" y="433137"/>
-            <a:ext cx="282450" cy="369332"/>
+            <a:off x="15872592" y="1121577"/>
+            <a:ext cx="282450" cy="461665"/>
           </a:xfrm>
           <a:prstGeom prst="rect">
             <a:avLst/>
@@ -3244,13 +3064,13 @@
           <a:noFill/>
         </p:spPr>
         <p:txBody>
-          <a:bodyPr wrap="none" rtlCol="0">
+          <a:bodyPr wrap="square" rtlCol="0">
             <a:spAutoFit/>
           </a:bodyPr>
           <a:lstStyle/>
           <a:p>
             <a:r>
-              <a:rPr lang="en-US" dirty="0"/>
+              <a:rPr lang="en-US" sz="2400" dirty="0"/>
               <a:t>c</a:t>
             </a:r>
           </a:p>
@@ -3271,7 +3091,7 @@
         <p:spPr>
           <a:xfrm>
             <a:off x="1340184" y="6317915"/>
-            <a:ext cx="306494" cy="369332"/>
+            <a:ext cx="346570" cy="461665"/>
           </a:xfrm>
           <a:prstGeom prst="rect">
             <a:avLst/>
@@ -3285,7 +3105,7 @@
           <a:lstStyle/>
           <a:p>
             <a:r>
-              <a:rPr lang="en-US" dirty="0"/>
+              <a:rPr lang="en-US" sz="2400" dirty="0"/>
               <a:t>d</a:t>
             </a:r>
           </a:p>
@@ -3306,7 +3126,7 @@
         <p:spPr>
           <a:xfrm>
             <a:off x="8605586" y="6317915"/>
-            <a:ext cx="300082" cy="369332"/>
+            <a:ext cx="338554" cy="461665"/>
           </a:xfrm>
           <a:prstGeom prst="rect">
             <a:avLst/>
@@ -3320,7 +3140,7 @@
           <a:lstStyle/>
           <a:p>
             <a:r>
-              <a:rPr lang="en-US" dirty="0"/>
+              <a:rPr lang="en-US" sz="2400" dirty="0"/>
               <a:t>e</a:t>
             </a:r>
           </a:p>
@@ -3340,8 +3160,8 @@
         </p:nvSpPr>
         <p:spPr>
           <a:xfrm>
-            <a:off x="15689179" y="5727032"/>
-            <a:ext cx="255198" cy="369332"/>
+            <a:off x="15723350" y="6317914"/>
+            <a:ext cx="279244" cy="461665"/>
           </a:xfrm>
           <a:prstGeom prst="rect">
             <a:avLst/>
@@ -3355,7 +3175,7 @@
           <a:lstStyle/>
           <a:p>
             <a:r>
-              <a:rPr lang="en-US" dirty="0"/>
+              <a:rPr lang="en-US" sz="2400" dirty="0"/>
               <a:t>f</a:t>
             </a:r>
           </a:p>
@@ -3375,7 +3195,7 @@
         </p:nvSpPr>
         <p:spPr>
           <a:xfrm>
-            <a:off x="1340184" y="11542656"/>
+            <a:off x="1340184" y="12330056"/>
             <a:ext cx="328936" cy="461665"/>
           </a:xfrm>
           <a:prstGeom prst="rect">
@@ -3410,7 +3230,7 @@
         </p:nvSpPr>
         <p:spPr>
           <a:xfrm>
-            <a:off x="8605586" y="11542656"/>
+            <a:off x="8605586" y="12330056"/>
             <a:ext cx="346570" cy="461665"/>
           </a:xfrm>
           <a:prstGeom prst="rect">
@@ -3445,7 +3265,7 @@
         </p:nvSpPr>
         <p:spPr>
           <a:xfrm>
-            <a:off x="16120341" y="11542656"/>
+            <a:off x="16120341" y="12330056"/>
             <a:ext cx="255198" cy="461665"/>
           </a:xfrm>
           <a:prstGeom prst="rect">
@@ -3482,14 +3302,14 @@
           <p:nvPr/>
         </p:nvPicPr>
         <p:blipFill>
-          <a:blip r:embed="rId8"/>
+          <a:blip r:embed="rId2"/>
           <a:stretch>
             <a:fillRect/>
           </a:stretch>
         </p:blipFill>
         <p:spPr>
           <a:xfrm>
-            <a:off x="1487821" y="12206035"/>
+            <a:off x="1208421" y="12993435"/>
             <a:ext cx="5842000" cy="3568700"/>
           </a:xfrm>
           <a:prstGeom prst="rect">
@@ -3512,14 +3332,14 @@
           <p:nvPr/>
         </p:nvPicPr>
         <p:blipFill>
-          <a:blip r:embed="rId9"/>
+          <a:blip r:embed="rId3"/>
           <a:stretch>
             <a:fillRect/>
           </a:stretch>
         </p:blipFill>
         <p:spPr>
           <a:xfrm>
-            <a:off x="8974387" y="12206035"/>
+            <a:off x="8567987" y="12993435"/>
             <a:ext cx="5715000" cy="3568700"/>
           </a:xfrm>
           <a:prstGeom prst="rect">
@@ -3542,14 +3362,14 @@
           <p:nvPr/>
         </p:nvPicPr>
         <p:blipFill>
-          <a:blip r:embed="rId10"/>
+          <a:blip r:embed="rId4"/>
           <a:stretch>
             <a:fillRect/>
           </a:stretch>
         </p:blipFill>
         <p:spPr>
           <a:xfrm>
-            <a:off x="16431839" y="11931650"/>
+            <a:off x="16120341" y="12993435"/>
             <a:ext cx="5715000" cy="3568700"/>
           </a:xfrm>
           <a:prstGeom prst="rect">
@@ -3572,14 +3392,14 @@
           <p:nvPr/>
         </p:nvPicPr>
         <p:blipFill>
-          <a:blip r:embed="rId11"/>
+          <a:blip r:embed="rId5"/>
           <a:stretch>
             <a:fillRect/>
           </a:stretch>
         </p:blipFill>
         <p:spPr>
           <a:xfrm>
-            <a:off x="9031537" y="17357555"/>
+            <a:off x="8094579" y="18217661"/>
             <a:ext cx="7594600" cy="4572000"/>
           </a:xfrm>
           <a:prstGeom prst="rect">
@@ -3602,14 +3422,14 @@
           <p:nvPr/>
         </p:nvPicPr>
         <p:blipFill>
-          <a:blip r:embed="rId12"/>
+          <a:blip r:embed="rId6"/>
           <a:stretch>
             <a:fillRect/>
           </a:stretch>
         </p:blipFill>
         <p:spPr>
           <a:xfrm>
-            <a:off x="16431839" y="17276981"/>
+            <a:off x="15501437" y="17920368"/>
             <a:ext cx="7594600" cy="4572000"/>
           </a:xfrm>
           <a:prstGeom prst="rect">
@@ -3632,6 +3452,186 @@
           <p:nvPr/>
         </p:nvPicPr>
         <p:blipFill>
+          <a:blip r:embed="rId7"/>
+          <a:stretch>
+            <a:fillRect/>
+          </a:stretch>
+        </p:blipFill>
+        <p:spPr>
+          <a:xfrm>
+            <a:off x="687721" y="18149936"/>
+            <a:ext cx="7594600" cy="4572000"/>
+          </a:xfrm>
+          <a:prstGeom prst="rect">
+            <a:avLst/>
+          </a:prstGeom>
+        </p:spPr>
+      </p:pic>
+      <p:pic>
+        <p:nvPicPr>
+          <p:cNvPr id="10" name="Picture 9">
+            <a:extLst>
+              <a:ext uri="{FF2B5EF4-FFF2-40B4-BE49-F238E27FC236}">
+                <a16:creationId xmlns:a16="http://schemas.microsoft.com/office/drawing/2014/main" id="{3BA0EE7D-2AF7-8449-91D8-69E4595487B7}"/>
+              </a:ext>
+            </a:extLst>
+          </p:cNvPr>
+          <p:cNvPicPr>
+            <a:picLocks noChangeAspect="1"/>
+          </p:cNvPicPr>
+          <p:nvPr/>
+        </p:nvPicPr>
+        <p:blipFill>
+          <a:blip r:embed="rId8"/>
+          <a:stretch>
+            <a:fillRect/>
+          </a:stretch>
+        </p:blipFill>
+        <p:spPr>
+          <a:xfrm>
+            <a:off x="1216608" y="1661275"/>
+            <a:ext cx="5816600" cy="3568700"/>
+          </a:xfrm>
+          <a:prstGeom prst="rect">
+            <a:avLst/>
+          </a:prstGeom>
+        </p:spPr>
+      </p:pic>
+      <p:pic>
+        <p:nvPicPr>
+          <p:cNvPr id="12" name="Picture 11">
+            <a:extLst>
+              <a:ext uri="{FF2B5EF4-FFF2-40B4-BE49-F238E27FC236}">
+                <a16:creationId xmlns:a16="http://schemas.microsoft.com/office/drawing/2014/main" id="{0761D9CB-480A-D046-8AD1-34F90C1C57AE}"/>
+              </a:ext>
+            </a:extLst>
+          </p:cNvPr>
+          <p:cNvPicPr>
+            <a:picLocks noChangeAspect="1"/>
+          </p:cNvPicPr>
+          <p:nvPr/>
+        </p:nvPicPr>
+        <p:blipFill>
+          <a:blip r:embed="rId9"/>
+          <a:stretch>
+            <a:fillRect/>
+          </a:stretch>
+        </p:blipFill>
+        <p:spPr>
+          <a:xfrm>
+            <a:off x="8599174" y="1875576"/>
+            <a:ext cx="5816600" cy="3568700"/>
+          </a:xfrm>
+          <a:prstGeom prst="rect">
+            <a:avLst/>
+          </a:prstGeom>
+        </p:spPr>
+      </p:pic>
+      <p:pic>
+        <p:nvPicPr>
+          <p:cNvPr id="14" name="Picture 13">
+            <a:extLst>
+              <a:ext uri="{FF2B5EF4-FFF2-40B4-BE49-F238E27FC236}">
+                <a16:creationId xmlns:a16="http://schemas.microsoft.com/office/drawing/2014/main" id="{2088A50A-0CF4-1348-BB70-A3D4BCF59975}"/>
+              </a:ext>
+            </a:extLst>
+          </p:cNvPr>
+          <p:cNvPicPr>
+            <a:picLocks noChangeAspect="1"/>
+          </p:cNvPicPr>
+          <p:nvPr/>
+        </p:nvPicPr>
+        <p:blipFill>
+          <a:blip r:embed="rId10"/>
+          <a:stretch>
+            <a:fillRect/>
+          </a:stretch>
+        </p:blipFill>
+        <p:spPr>
+          <a:xfrm>
+            <a:off x="16120341" y="1799376"/>
+            <a:ext cx="5702300" cy="3644900"/>
+          </a:xfrm>
+          <a:prstGeom prst="rect">
+            <a:avLst/>
+          </a:prstGeom>
+        </p:spPr>
+      </p:pic>
+      <p:pic>
+        <p:nvPicPr>
+          <p:cNvPr id="25" name="Picture 24">
+            <a:extLst>
+              <a:ext uri="{FF2B5EF4-FFF2-40B4-BE49-F238E27FC236}">
+                <a16:creationId xmlns:a16="http://schemas.microsoft.com/office/drawing/2014/main" id="{9B09E434-F5D2-404C-B850-1DA87AA5AAD0}"/>
+              </a:ext>
+            </a:extLst>
+          </p:cNvPr>
+          <p:cNvPicPr>
+            <a:picLocks noChangeAspect="1"/>
+          </p:cNvPicPr>
+          <p:nvPr/>
+        </p:nvPicPr>
+        <p:blipFill>
+          <a:blip r:embed="rId11"/>
+          <a:stretch>
+            <a:fillRect/>
+          </a:stretch>
+        </p:blipFill>
+        <p:spPr>
+          <a:xfrm>
+            <a:off x="636921" y="6850648"/>
+            <a:ext cx="7594600" cy="4572000"/>
+          </a:xfrm>
+          <a:prstGeom prst="rect">
+            <a:avLst/>
+          </a:prstGeom>
+        </p:spPr>
+      </p:pic>
+      <p:pic>
+        <p:nvPicPr>
+          <p:cNvPr id="31" name="Picture 30">
+            <a:extLst>
+              <a:ext uri="{FF2B5EF4-FFF2-40B4-BE49-F238E27FC236}">
+                <a16:creationId xmlns:a16="http://schemas.microsoft.com/office/drawing/2014/main" id="{9190696C-C3FE-C146-AA60-B9E19031EF83}"/>
+              </a:ext>
+            </a:extLst>
+          </p:cNvPr>
+          <p:cNvPicPr>
+            <a:picLocks noChangeAspect="1"/>
+          </p:cNvPicPr>
+          <p:nvPr/>
+        </p:nvPicPr>
+        <p:blipFill>
+          <a:blip r:embed="rId12"/>
+          <a:stretch>
+            <a:fillRect/>
+          </a:stretch>
+        </p:blipFill>
+        <p:spPr>
+          <a:xfrm>
+            <a:off x="15629187" y="7325788"/>
+            <a:ext cx="7594600" cy="4572000"/>
+          </a:xfrm>
+          <a:prstGeom prst="rect">
+            <a:avLst/>
+          </a:prstGeom>
+        </p:spPr>
+      </p:pic>
+      <p:pic>
+        <p:nvPicPr>
+          <p:cNvPr id="35" name="Picture 34">
+            <a:extLst>
+              <a:ext uri="{FF2B5EF4-FFF2-40B4-BE49-F238E27FC236}">
+                <a16:creationId xmlns:a16="http://schemas.microsoft.com/office/drawing/2014/main" id="{28CE1C66-DAF5-414A-88BA-89D86ACE1931}"/>
+              </a:ext>
+            </a:extLst>
+          </p:cNvPr>
+          <p:cNvPicPr>
+            <a:picLocks noChangeAspect="1"/>
+          </p:cNvPicPr>
+          <p:nvPr/>
+        </p:nvPicPr>
+        <p:blipFill>
           <a:blip r:embed="rId13"/>
           <a:stretch>
             <a:fillRect/>
@@ -3639,7 +3639,7 @@
         </p:blipFill>
         <p:spPr>
           <a:xfrm>
-            <a:off x="1280215" y="17341510"/>
+            <a:off x="8034587" y="7201488"/>
             <a:ext cx="7594600" cy="4572000"/>
           </a:xfrm>
           <a:prstGeom prst="rect">
@@ -3647,6 +3647,111 @@
           </a:prstGeom>
         </p:spPr>
       </p:pic>
+      <p:sp>
+        <p:nvSpPr>
+          <p:cNvPr id="39" name="TextBox 38">
+            <a:extLst>
+              <a:ext uri="{FF2B5EF4-FFF2-40B4-BE49-F238E27FC236}">
+                <a16:creationId xmlns:a16="http://schemas.microsoft.com/office/drawing/2014/main" id="{C3EA23C6-9003-2841-A0A9-AA7049906479}"/>
+              </a:ext>
+            </a:extLst>
+          </p:cNvPr>
+          <p:cNvSpPr txBox="1"/>
+          <p:nvPr/>
+        </p:nvSpPr>
+        <p:spPr>
+          <a:xfrm>
+            <a:off x="1340184" y="17536475"/>
+            <a:ext cx="258404" cy="461665"/>
+          </a:xfrm>
+          <a:prstGeom prst="rect">
+            <a:avLst/>
+          </a:prstGeom>
+          <a:noFill/>
+        </p:spPr>
+        <p:txBody>
+          <a:bodyPr wrap="none" rtlCol="0">
+            <a:spAutoFit/>
+          </a:bodyPr>
+          <a:lstStyle/>
+          <a:p>
+            <a:r>
+              <a:rPr lang="en-US" sz="2400" dirty="0"/>
+              <a:t>j</a:t>
+            </a:r>
+          </a:p>
+        </p:txBody>
+      </p:sp>
+      <p:sp>
+        <p:nvSpPr>
+          <p:cNvPr id="40" name="TextBox 39">
+            <a:extLst>
+              <a:ext uri="{FF2B5EF4-FFF2-40B4-BE49-F238E27FC236}">
+                <a16:creationId xmlns:a16="http://schemas.microsoft.com/office/drawing/2014/main" id="{7775CE34-6654-DA4D-8EA9-5A1B7268240F}"/>
+              </a:ext>
+            </a:extLst>
+          </p:cNvPr>
+          <p:cNvSpPr txBox="1"/>
+          <p:nvPr/>
+        </p:nvSpPr>
+        <p:spPr>
+          <a:xfrm>
+            <a:off x="8605586" y="17536475"/>
+            <a:ext cx="324128" cy="461665"/>
+          </a:xfrm>
+          <a:prstGeom prst="rect">
+            <a:avLst/>
+          </a:prstGeom>
+          <a:noFill/>
+        </p:spPr>
+        <p:txBody>
+          <a:bodyPr wrap="none" rtlCol="0">
+            <a:spAutoFit/>
+          </a:bodyPr>
+          <a:lstStyle/>
+          <a:p>
+            <a:r>
+              <a:rPr lang="en-US" sz="2400" dirty="0"/>
+              <a:t>k</a:t>
+            </a:r>
+          </a:p>
+        </p:txBody>
+      </p:sp>
+      <p:sp>
+        <p:nvSpPr>
+          <p:cNvPr id="41" name="TextBox 40">
+            <a:extLst>
+              <a:ext uri="{FF2B5EF4-FFF2-40B4-BE49-F238E27FC236}">
+                <a16:creationId xmlns:a16="http://schemas.microsoft.com/office/drawing/2014/main" id="{B52A2F08-8477-414D-9733-EA51519EFE86}"/>
+              </a:ext>
+            </a:extLst>
+          </p:cNvPr>
+          <p:cNvSpPr txBox="1"/>
+          <p:nvPr/>
+        </p:nvSpPr>
+        <p:spPr>
+          <a:xfrm>
+            <a:off x="16120341" y="17536475"/>
+            <a:ext cx="255198" cy="461665"/>
+          </a:xfrm>
+          <a:prstGeom prst="rect">
+            <a:avLst/>
+          </a:prstGeom>
+          <a:noFill/>
+        </p:spPr>
+        <p:txBody>
+          <a:bodyPr wrap="none" rtlCol="0">
+            <a:spAutoFit/>
+          </a:bodyPr>
+          <a:lstStyle/>
+          <a:p>
+            <a:r>
+              <a:rPr lang="en-US" sz="2400" dirty="0"/>
+              <a:t>l</a:t>
+            </a:r>
+          </a:p>
+        </p:txBody>
+      </p:sp>
     </p:spTree>
     <p:extLst>
       <p:ext uri="{BB962C8B-B14F-4D97-AF65-F5344CB8AC3E}">
